--- a/slides/Lecture18-Sampling-part1.pptx
+++ b/slides/Lecture18-Sampling-part1.pptx
@@ -237,7 +237,7 @@
             <a:fld id="{877130AC-1169-47BD-87F5-AFD9E79DDC3D}" type="datetimeFigureOut">
               <a:rPr lang="en-US" smtClean="0"/>
               <a:pPr/>
-              <a:t>3/28/24</a:t>
+              <a:t>4/25/24</a:t>
             </a:fld>
             <a:endParaRPr lang="en-US"/>
           </a:p>
@@ -717,7 +717,7 @@
             <a:fld id="{16D3C603-3B65-4AB7-82D6-2288B2E2AD50}" type="datetimeFigureOut">
               <a:rPr lang="en-US" smtClean="0"/>
               <a:pPr/>
-              <a:t>3/28/24</a:t>
+              <a:t>4/25/24</a:t>
             </a:fld>
             <a:endParaRPr lang="en-US"/>
           </a:p>
@@ -9205,11 +9205,6 @@
           </p:cNvGraphicFramePr>
           <p:nvPr>
             <p:ph sz="quarter" idx="1"/>
-            <p:extLst>
-              <p:ext uri="{D42A27DB-BD31-4B8C-83A1-F6EECF244321}">
-                <p14:modId xmlns:p14="http://schemas.microsoft.com/office/powerpoint/2010/main" val="1109462559"/>
-              </p:ext>
-            </p:extLst>
           </p:nvPr>
         </p:nvGraphicFramePr>
         <p:xfrm>
@@ -9884,7 +9879,7 @@
             <a:pPr algn="ctr" eaLnBrk="1" latinLnBrk="0" hangingPunct="1"/>
             <a:fld id="{2BBB5E19-F10A-4C2F-BF6F-11C513378A2E}" type="slidenum">
               <a:rPr lang="en-US" smtClean="0"/>
-              <a:pPr/>
+              <a:pPr algn="ctr" eaLnBrk="1" latinLnBrk="0" hangingPunct="1"/>
               <a:t>2</a:t>
             </a:fld>
             <a:endParaRPr kumimoji="0" lang="en-US"/>
@@ -10244,12 +10239,37 @@
                             </m:num>
                             <m:den>
                               <m:r>
-                                <a:rPr lang="en-US" sz="1600" b="0" i="1" smtClean="0">
-                                  <a:latin typeface="Cambria Math" panose="02040503050406030204" pitchFamily="18" charset="0"/>
-                                  <a:ea typeface="Cambria Math" panose="02040503050406030204" pitchFamily="18" charset="0"/>
+                                <m:rPr>
+                                  <m:nor/>
+                                </m:rPr>
+                                <a:rPr lang="en-US" sz="1600" dirty="0">
+                                  <a:latin typeface="Calibri" panose="020F0502020204030204" pitchFamily="34" charset="0"/>
+                                  <a:ea typeface="Calibri" panose="020F0502020204030204" pitchFamily="34" charset="0"/>
                                   <a:cs typeface="Times New Roman" panose="02020603050405020304" pitchFamily="18" charset="0"/>
                                 </a:rPr>
-                                <m:t>3</m:t>
+                                <m:t>|</m:t>
+                              </m:r>
+                              <m:r>
+                                <m:rPr>
+                                  <m:nor/>
+                                </m:rPr>
+                                <a:rPr lang="en-US" sz="1600" dirty="0">
+                                  <a:latin typeface="Calibri" panose="020F0502020204030204" pitchFamily="34" charset="0"/>
+                                  <a:ea typeface="Calibri" panose="020F0502020204030204" pitchFamily="34" charset="0"/>
+                                  <a:cs typeface="Times New Roman" panose="02020603050405020304" pitchFamily="18" charset="0"/>
+                                </a:rPr>
+                                <m:t>D</m:t>
+                              </m:r>
+                              <m:r>
+                                <m:rPr>
+                                  <m:nor/>
+                                </m:rPr>
+                                <a:rPr lang="en-US" sz="1600" dirty="0">
+                                  <a:latin typeface="Calibri" panose="020F0502020204030204" pitchFamily="34" charset="0"/>
+                                  <a:ea typeface="Calibri" panose="020F0502020204030204" pitchFamily="34" charset="0"/>
+                                  <a:cs typeface="Times New Roman" panose="02020603050405020304" pitchFamily="18" charset="0"/>
+                                </a:rPr>
+                                <m:t>’|</m:t>
                               </m:r>
                               <m:r>
                                 <a:rPr lang="en-US" sz="1600" i="1">
@@ -10469,12 +10489,37 @@
                             </m:num>
                             <m:den>
                               <m:r>
-                                <a:rPr lang="en-US" sz="1600" b="0" i="1" smtClean="0">
-                                  <a:latin typeface="Cambria Math" panose="02040503050406030204" pitchFamily="18" charset="0"/>
-                                  <a:ea typeface="Cambria Math" panose="02040503050406030204" pitchFamily="18" charset="0"/>
+                                <m:rPr>
+                                  <m:nor/>
+                                </m:rPr>
+                                <a:rPr lang="en-US" sz="1600" dirty="0">
+                                  <a:latin typeface="Calibri" panose="020F0502020204030204" pitchFamily="34" charset="0"/>
+                                  <a:ea typeface="Calibri" panose="020F0502020204030204" pitchFamily="34" charset="0"/>
                                   <a:cs typeface="Times New Roman" panose="02020603050405020304" pitchFamily="18" charset="0"/>
                                 </a:rPr>
-                                <m:t>2</m:t>
+                                <m:t>|</m:t>
+                              </m:r>
+                              <m:r>
+                                <m:rPr>
+                                  <m:nor/>
+                                </m:rPr>
+                                <a:rPr lang="en-US" sz="1600" dirty="0">
+                                  <a:latin typeface="Calibri" panose="020F0502020204030204" pitchFamily="34" charset="0"/>
+                                  <a:ea typeface="Calibri" panose="020F0502020204030204" pitchFamily="34" charset="0"/>
+                                  <a:cs typeface="Times New Roman" panose="02020603050405020304" pitchFamily="18" charset="0"/>
+                                </a:rPr>
+                                <m:t>D</m:t>
+                              </m:r>
+                              <m:r>
+                                <m:rPr>
+                                  <m:nor/>
+                                </m:rPr>
+                                <a:rPr lang="en-US" sz="1600" dirty="0">
+                                  <a:latin typeface="Calibri" panose="020F0502020204030204" pitchFamily="34" charset="0"/>
+                                  <a:ea typeface="Calibri" panose="020F0502020204030204" pitchFamily="34" charset="0"/>
+                                  <a:cs typeface="Times New Roman" panose="02020603050405020304" pitchFamily="18" charset="0"/>
+                                </a:rPr>
+                                <m:t>’|</m:t>
                               </m:r>
                               <m:r>
                                 <a:rPr lang="en-US" sz="1600" i="1">
@@ -10598,7 +10643,7 @@
               <a:blipFill>
                 <a:blip r:embed="rId3"/>
                 <a:stretch>
-                  <a:fillRect l="-1329" t="-1408" r="-8638"/>
+                  <a:fillRect l="-1329" t="-1408" r="-15282"/>
                 </a:stretch>
               </a:blipFill>
             </p:spPr>
@@ -11217,14 +11262,31 @@
                               </m:r>
                             </m:num>
                             <m:den>
-                              <m:r>
-                                <a:rPr lang="en-US" i="1">
-                                  <a:latin typeface="Cambria Math" panose="02040503050406030204" pitchFamily="18" charset="0"/>
-                                  <a:ea typeface="Cambria Math" panose="02040503050406030204" pitchFamily="18" charset="0"/>
-                                  <a:cs typeface="Times New Roman" panose="02020603050405020304" pitchFamily="18" charset="0"/>
-                                </a:rPr>
-                                <m:t>𝛼</m:t>
-                              </m:r>
+                              <m:nary>
+                                <m:naryPr>
+                                  <m:chr m:val="∑"/>
+                                  <m:subHide m:val="on"/>
+                                  <m:supHide m:val="on"/>
+                                  <m:ctrlPr>
+                                    <a:rPr lang="en-US" i="1">
+                                      <a:latin typeface="Cambria Math" panose="02040503050406030204" pitchFamily="18" charset="0"/>
+                                      <a:cs typeface="Times New Roman" panose="02020603050405020304" pitchFamily="18" charset="0"/>
+                                    </a:rPr>
+                                  </m:ctrlPr>
+                                </m:naryPr>
+                                <m:sub/>
+                                <m:sup/>
+                                <m:e>
+                                  <m:r>
+                                    <a:rPr lang="en-US" i="1">
+                                      <a:latin typeface="Cambria Math" panose="02040503050406030204" pitchFamily="18" charset="0"/>
+                                      <a:ea typeface="Cambria Math" panose="02040503050406030204" pitchFamily="18" charset="0"/>
+                                      <a:cs typeface="Times New Roman" panose="02020603050405020304" pitchFamily="18" charset="0"/>
+                                    </a:rPr>
+                                    <m:t>𝛼</m:t>
+                                  </m:r>
+                                </m:e>
+                              </m:nary>
                               <m:r>
                                 <a:rPr lang="en-US" i="1">
                                   <a:latin typeface="Cambria Math" panose="02040503050406030204" pitchFamily="18" charset="0"/>
@@ -11442,14 +11504,32 @@
                               </m:r>
                             </m:num>
                             <m:den>
-                              <m:r>
-                                <a:rPr lang="en-US" i="1">
-                                  <a:latin typeface="Cambria Math" panose="02040503050406030204" pitchFamily="18" charset="0"/>
-                                  <a:ea typeface="Cambria Math" panose="02040503050406030204" pitchFamily="18" charset="0"/>
-                                  <a:cs typeface="Times New Roman" panose="02020603050405020304" pitchFamily="18" charset="0"/>
-                                </a:rPr>
-                                <m:t>𝛼</m:t>
-                              </m:r>
+                              <m:nary>
+                                <m:naryPr>
+                                  <m:chr m:val="∑"/>
+                                  <m:subHide m:val="on"/>
+                                  <m:supHide m:val="on"/>
+                                  <m:ctrlPr>
+                                    <a:rPr lang="en-US" b="0" i="1" smtClean="0">
+                                      <a:effectLst/>
+                                      <a:latin typeface="Cambria Math" panose="02040503050406030204" pitchFamily="18" charset="0"/>
+                                      <a:cs typeface="Times New Roman" panose="02020603050405020304" pitchFamily="18" charset="0"/>
+                                    </a:rPr>
+                                  </m:ctrlPr>
+                                </m:naryPr>
+                                <m:sub/>
+                                <m:sup/>
+                                <m:e>
+                                  <m:r>
+                                    <a:rPr lang="en-US" i="1">
+                                      <a:latin typeface="Cambria Math" panose="02040503050406030204" pitchFamily="18" charset="0"/>
+                                      <a:ea typeface="Cambria Math" panose="02040503050406030204" pitchFamily="18" charset="0"/>
+                                      <a:cs typeface="Times New Roman" panose="02020603050405020304" pitchFamily="18" charset="0"/>
+                                    </a:rPr>
+                                    <m:t>𝛼</m:t>
+                                  </m:r>
+                                </m:e>
+                              </m:nary>
                               <m:r>
                                 <a:rPr lang="en-US" i="1">
                                   <a:latin typeface="Cambria Math" panose="02040503050406030204" pitchFamily="18" charset="0"/>
@@ -11563,7 +11643,7 @@
               <a:blipFill>
                 <a:blip r:embed="rId4"/>
                 <a:stretch>
-                  <a:fillRect l="-6944" t="-2740" r="-405556" b="-221918"/>
+                  <a:fillRect l="-6944" t="-2740" r="-427778" b="-284932"/>
                 </a:stretch>
               </a:blipFill>
             </p:spPr>
